--- a/MVO.pptx
+++ b/MVO.pptx
@@ -6601,7 +6601,7 @@
         <p:spPr>
           <a:xfrm>
             <a:off x="591177" y="1275696"/>
-            <a:ext cx="5236335" cy="4031873"/>
+            <a:ext cx="5236335" cy="3724096"/>
           </a:xfrm>
           <a:prstGeom prst="rect">
             <a:avLst/>
@@ -6790,7 +6790,7 @@
                 </a:solidFill>
                 <a:latin typeface="Montserrat" panose="00000500000000000000" pitchFamily="2" charset="0"/>
               </a:rPr>
-              <a:t>R1 = random[0,1] (xác định black hole)</a:t>
+              <a:t>R1 = random[0,1] </a:t>
             </a:r>
           </a:p>
           <a:p>
